--- a/Swings Presentation.pptx
+++ b/Swings Presentation.pptx
@@ -927,25 +927,18 @@
         <a:lstStyle/>
         <a:p>
           <a:r>
-            <a:rPr lang="en-US" sz="2800" b="1" cap="none" spc="0" dirty="0">
-              <a:ln w="12700">
-                <a:solidFill>
-                  <a:schemeClr val="accent5"/>
-                </a:solidFill>
-                <a:prstDash val="solid"/>
-              </a:ln>
-              <a:pattFill prst="ltDnDiag">
-                <a:fgClr>
-                  <a:schemeClr val="accent5">
-                    <a:lumMod val="60000"/>
-                    <a:lumOff val="40000"/>
-                  </a:schemeClr>
-                </a:fgClr>
-                <a:bgClr>
-                  <a:schemeClr val="bg1"/>
-                </a:bgClr>
-              </a:pattFill>
-              <a:effectLst/>
+            <a:rPr lang="en-US" sz="2800" b="1" cap="none" spc="50" dirty="0">
+              <a:ln w="0"/>
+              <a:solidFill>
+                <a:schemeClr val="bg2"/>
+              </a:solidFill>
+              <a:effectLst>
+                <a:innerShdw blurRad="63500" dist="50800" dir="13500000">
+                  <a:srgbClr val="000000">
+                    <a:alpha val="50000"/>
+                  </a:srgbClr>
+                </a:innerShdw>
+              </a:effectLst>
               <a:latin typeface="Elephant" panose="02020904090505020303" pitchFamily="18" charset="0"/>
             </a:rPr>
             <a:t>AWT</a:t>
@@ -1081,25 +1074,18 @@
         <a:lstStyle/>
         <a:p>
           <a:r>
-            <a:rPr lang="en-US" sz="2400" b="1" cap="none" spc="0" dirty="0">
-              <a:ln w="12700">
-                <a:solidFill>
-                  <a:schemeClr val="accent5"/>
-                </a:solidFill>
-                <a:prstDash val="solid"/>
-              </a:ln>
-              <a:pattFill prst="ltDnDiag">
-                <a:fgClr>
-                  <a:schemeClr val="accent5">
-                    <a:lumMod val="60000"/>
-                    <a:lumOff val="40000"/>
-                  </a:schemeClr>
-                </a:fgClr>
-                <a:bgClr>
-                  <a:schemeClr val="bg1"/>
-                </a:bgClr>
-              </a:pattFill>
-              <a:effectLst/>
+            <a:rPr lang="en-US" sz="2400" b="1" cap="none" spc="50" dirty="0">
+              <a:ln w="0"/>
+              <a:solidFill>
+                <a:schemeClr val="bg2"/>
+              </a:solidFill>
+              <a:effectLst>
+                <a:innerShdw blurRad="63500" dist="50800" dir="13500000">
+                  <a:srgbClr val="000000">
+                    <a:alpha val="50000"/>
+                  </a:srgbClr>
+                </a:innerShdw>
+              </a:effectLst>
               <a:latin typeface="Elephant" panose="02020904090505020303" pitchFamily="18" charset="0"/>
             </a:rPr>
             <a:t>Swing</a:t>
@@ -1235,48 +1221,34 @@
         <a:lstStyle/>
         <a:p>
           <a:r>
-            <a:rPr lang="en-US" b="1" cap="none" spc="0" dirty="0" err="1">
-              <a:ln w="12700">
-                <a:solidFill>
-                  <a:schemeClr val="accent5"/>
-                </a:solidFill>
-                <a:prstDash val="solid"/>
-              </a:ln>
-              <a:pattFill prst="ltDnDiag">
-                <a:fgClr>
-                  <a:schemeClr val="accent5">
-                    <a:lumMod val="60000"/>
-                    <a:lumOff val="40000"/>
-                  </a:schemeClr>
-                </a:fgClr>
-                <a:bgClr>
-                  <a:schemeClr val="bg1"/>
-                </a:bgClr>
-              </a:pattFill>
-              <a:effectLst/>
+            <a:rPr lang="en-US" b="1" cap="none" spc="50" dirty="0" err="1">
+              <a:ln w="0"/>
+              <a:solidFill>
+                <a:schemeClr val="bg2"/>
+              </a:solidFill>
+              <a:effectLst>
+                <a:innerShdw blurRad="63500" dist="50800" dir="13500000">
+                  <a:srgbClr val="000000">
+                    <a:alpha val="50000"/>
+                  </a:srgbClr>
+                </a:innerShdw>
+              </a:effectLst>
               <a:latin typeface="Elephant" panose="02020904090505020303" pitchFamily="18" charset="0"/>
             </a:rPr>
             <a:t>JavaFX</a:t>
           </a:r>
-          <a:endParaRPr lang="en-US" b="1" cap="none" spc="0" dirty="0">
-            <a:ln w="12700">
-              <a:solidFill>
-                <a:schemeClr val="accent5"/>
-              </a:solidFill>
-              <a:prstDash val="solid"/>
-            </a:ln>
-            <a:pattFill prst="ltDnDiag">
-              <a:fgClr>
-                <a:schemeClr val="accent5">
-                  <a:lumMod val="60000"/>
-                  <a:lumOff val="40000"/>
-                </a:schemeClr>
-              </a:fgClr>
-              <a:bgClr>
-                <a:schemeClr val="bg1"/>
-              </a:bgClr>
-            </a:pattFill>
-            <a:effectLst/>
+          <a:endParaRPr lang="en-US" b="1" cap="none" spc="50" dirty="0">
+            <a:ln w="0"/>
+            <a:solidFill>
+              <a:schemeClr val="bg2"/>
+            </a:solidFill>
+            <a:effectLst>
+              <a:innerShdw blurRad="63500" dist="50800" dir="13500000">
+                <a:srgbClr val="000000">
+                  <a:alpha val="50000"/>
+                </a:srgbClr>
+              </a:innerShdw>
+            </a:effectLst>
             <a:latin typeface="Elephant" panose="02020904090505020303" pitchFamily="18" charset="0"/>
           </a:endParaRPr>
         </a:p>
@@ -2110,25 +2082,18 @@
             </a:spcAft>
           </a:pPr>
           <a:r>
-            <a:rPr lang="en-US" sz="2800" b="1" kern="1200" cap="none" spc="0" dirty="0">
-              <a:ln w="12700">
-                <a:solidFill>
-                  <a:schemeClr val="accent5"/>
-                </a:solidFill>
-                <a:prstDash val="solid"/>
-              </a:ln>
-              <a:pattFill prst="ltDnDiag">
-                <a:fgClr>
-                  <a:schemeClr val="accent5">
-                    <a:lumMod val="60000"/>
-                    <a:lumOff val="40000"/>
-                  </a:schemeClr>
-                </a:fgClr>
-                <a:bgClr>
-                  <a:schemeClr val="bg1"/>
-                </a:bgClr>
-              </a:pattFill>
-              <a:effectLst/>
+            <a:rPr lang="en-US" sz="2800" b="1" kern="1200" cap="none" spc="50" dirty="0">
+              <a:ln w="0"/>
+              <a:solidFill>
+                <a:schemeClr val="bg2"/>
+              </a:solidFill>
+              <a:effectLst>
+                <a:innerShdw blurRad="63500" dist="50800" dir="13500000">
+                  <a:srgbClr val="000000">
+                    <a:alpha val="50000"/>
+                  </a:srgbClr>
+                </a:innerShdw>
+              </a:effectLst>
               <a:latin typeface="Elephant" panose="02020904090505020303" pitchFamily="18" charset="0"/>
             </a:rPr>
             <a:t>AWT</a:t>
@@ -2458,25 +2423,18 @@
             </a:spcAft>
           </a:pPr>
           <a:r>
-            <a:rPr lang="en-US" sz="2400" b="1" kern="1200" cap="none" spc="0" dirty="0">
-              <a:ln w="12700">
-                <a:solidFill>
-                  <a:schemeClr val="accent5"/>
-                </a:solidFill>
-                <a:prstDash val="solid"/>
-              </a:ln>
-              <a:pattFill prst="ltDnDiag">
-                <a:fgClr>
-                  <a:schemeClr val="accent5">
-                    <a:lumMod val="60000"/>
-                    <a:lumOff val="40000"/>
-                  </a:schemeClr>
-                </a:fgClr>
-                <a:bgClr>
-                  <a:schemeClr val="bg1"/>
-                </a:bgClr>
-              </a:pattFill>
-              <a:effectLst/>
+            <a:rPr lang="en-US" sz="2400" b="1" kern="1200" cap="none" spc="50" dirty="0">
+              <a:ln w="0"/>
+              <a:solidFill>
+                <a:schemeClr val="bg2"/>
+              </a:solidFill>
+              <a:effectLst>
+                <a:innerShdw blurRad="63500" dist="50800" dir="13500000">
+                  <a:srgbClr val="000000">
+                    <a:alpha val="50000"/>
+                  </a:srgbClr>
+                </a:innerShdw>
+              </a:effectLst>
               <a:latin typeface="Elephant" panose="02020904090505020303" pitchFamily="18" charset="0"/>
             </a:rPr>
             <a:t>Swing</a:t>
@@ -2719,12 +2677,12 @@
         </a:fontRef>
       </dsp:style>
       <dsp:txBody>
-        <a:bodyPr spcFirstLastPara="0" vert="horz" wrap="square" lIns="17145" tIns="17145" rIns="17145" bIns="17145" numCol="1" spcCol="1270" anchor="ctr" anchorCtr="0">
+        <a:bodyPr spcFirstLastPara="0" vert="horz" wrap="square" lIns="16510" tIns="16510" rIns="16510" bIns="16510" numCol="1" spcCol="1270" anchor="ctr" anchorCtr="0">
           <a:noAutofit/>
         </a:bodyPr>
         <a:lstStyle/>
         <a:p>
-          <a:pPr lvl="0" algn="ctr" defTabSz="1200150">
+          <a:pPr lvl="0" algn="ctr" defTabSz="1155700">
             <a:lnSpc>
               <a:spcPct val="90000"/>
             </a:lnSpc>
@@ -2736,48 +2694,34 @@
             </a:spcAft>
           </a:pPr>
           <a:r>
-            <a:rPr lang="en-US" sz="2700" b="1" kern="1200" cap="none" spc="0" dirty="0" err="1">
-              <a:ln w="12700">
-                <a:solidFill>
-                  <a:schemeClr val="accent5"/>
-                </a:solidFill>
-                <a:prstDash val="solid"/>
-              </a:ln>
-              <a:pattFill prst="ltDnDiag">
-                <a:fgClr>
-                  <a:schemeClr val="accent5">
-                    <a:lumMod val="60000"/>
-                    <a:lumOff val="40000"/>
-                  </a:schemeClr>
-                </a:fgClr>
-                <a:bgClr>
-                  <a:schemeClr val="bg1"/>
-                </a:bgClr>
-              </a:pattFill>
-              <a:effectLst/>
+            <a:rPr lang="en-US" sz="2600" b="1" kern="1200" cap="none" spc="50" dirty="0" err="1">
+              <a:ln w="0"/>
+              <a:solidFill>
+                <a:schemeClr val="bg2"/>
+              </a:solidFill>
+              <a:effectLst>
+                <a:innerShdw blurRad="63500" dist="50800" dir="13500000">
+                  <a:srgbClr val="000000">
+                    <a:alpha val="50000"/>
+                  </a:srgbClr>
+                </a:innerShdw>
+              </a:effectLst>
               <a:latin typeface="Elephant" panose="02020904090505020303" pitchFamily="18" charset="0"/>
             </a:rPr>
             <a:t>JavaFX</a:t>
           </a:r>
-          <a:endParaRPr lang="en-US" sz="2700" b="1" kern="1200" cap="none" spc="0" dirty="0">
-            <a:ln w="12700">
-              <a:solidFill>
-                <a:schemeClr val="accent5"/>
-              </a:solidFill>
-              <a:prstDash val="solid"/>
-            </a:ln>
-            <a:pattFill prst="ltDnDiag">
-              <a:fgClr>
-                <a:schemeClr val="accent5">
-                  <a:lumMod val="60000"/>
-                  <a:lumOff val="40000"/>
-                </a:schemeClr>
-              </a:fgClr>
-              <a:bgClr>
-                <a:schemeClr val="bg1"/>
-              </a:bgClr>
-            </a:pattFill>
-            <a:effectLst/>
+          <a:endParaRPr lang="en-US" sz="2600" b="1" kern="1200" cap="none" spc="50" dirty="0">
+            <a:ln w="0"/>
+            <a:solidFill>
+              <a:schemeClr val="bg2"/>
+            </a:solidFill>
+            <a:effectLst>
+              <a:innerShdw blurRad="63500" dist="50800" dir="13500000">
+                <a:srgbClr val="000000">
+                  <a:alpha val="50000"/>
+                </a:srgbClr>
+              </a:innerShdw>
+            </a:effectLst>
             <a:latin typeface="Elephant" panose="02020904090505020303" pitchFamily="18" charset="0"/>
           </a:endParaRPr>
         </a:p>
@@ -12410,7 +12354,7 @@
           <p:nvPr>
             <p:extLst>
               <p:ext uri="{D42A27DB-BD31-4B8C-83A1-F6EECF244321}">
-                <p14:modId xmlns:p14="http://schemas.microsoft.com/office/powerpoint/2010/main" val="291935351"/>
+                <p14:modId xmlns:p14="http://schemas.microsoft.com/office/powerpoint/2010/main" val="4172293626"/>
               </p:ext>
             </p:extLst>
           </p:nvPr>
